--- a/Week08/day-04-05/Demo.pptx
+++ b/Week08/day-04-05/Demo.pptx
@@ -7,22 +7,13 @@
   <p:sldIdLst>
     <p:sldId id="256" r:id="rId2"/>
     <p:sldId id="257" r:id="rId3"/>
-    <p:sldId id="268" r:id="rId4"/>
-    <p:sldId id="269" r:id="rId5"/>
-    <p:sldId id="270" r:id="rId6"/>
-    <p:sldId id="271" r:id="rId7"/>
-    <p:sldId id="272" r:id="rId8"/>
-    <p:sldId id="273" r:id="rId9"/>
-    <p:sldId id="274" r:id="rId10"/>
-    <p:sldId id="275" r:id="rId11"/>
-    <p:sldId id="276" r:id="rId12"/>
-    <p:sldId id="277" r:id="rId13"/>
-    <p:sldId id="278" r:id="rId14"/>
-    <p:sldId id="279" r:id="rId15"/>
-    <p:sldId id="280" r:id="rId16"/>
-    <p:sldId id="281" r:id="rId17"/>
-    <p:sldId id="282" r:id="rId18"/>
-    <p:sldId id="267" r:id="rId19"/>
+    <p:sldId id="283" r:id="rId4"/>
+    <p:sldId id="284" r:id="rId5"/>
+    <p:sldId id="285" r:id="rId6"/>
+    <p:sldId id="286" r:id="rId7"/>
+    <p:sldId id="287" r:id="rId8"/>
+    <p:sldId id="288" r:id="rId9"/>
+    <p:sldId id="267" r:id="rId10"/>
   </p:sldIdLst>
   <p:sldSz cx="9144000" cy="6858000" type="screen4x3"/>
   <p:notesSz cx="6858000" cy="9144000"/>
@@ -127,11 +118,6 @@
 <file path=ppt/slideLayouts/slideLayout1.xml><?xml version="1.0" encoding="utf-8"?>
 <p:sldLayout xmlns:a="http://schemas.openxmlformats.org/drawingml/2006/main" xmlns:r="http://schemas.openxmlformats.org/officeDocument/2006/relationships" xmlns:p="http://schemas.openxmlformats.org/presentationml/2006/main" showMasterSp="0" type="title" preserve="1">
   <p:cSld name="Title Slide">
-    <p:bg>
-      <p:bgRef idx="1001">
-        <a:schemeClr val="bg1"/>
-      </p:bgRef>
-    </p:bg>
     <p:spTree>
       <p:nvGrpSpPr>
         <p:cNvPr id="1" name=""/>
@@ -262,7 +248,7 @@
             <a:fld id="{7D2B3880-049A-4678-9ACE-2F637E71BA50}" type="datetimeFigureOut">
               <a:rPr lang="hu-HU" smtClean="0"/>
               <a:pPr/>
-              <a:t>2018. 04. 06.</a:t>
+              <a:t>2018. 04. 12.</a:t>
             </a:fld>
             <a:endParaRPr lang="hu-HU"/>
           </a:p>
@@ -1018,7 +1004,7 @@
     </p:spTree>
   </p:cSld>
   <p:clrMapOvr>
-    <a:overrideClrMapping bg1="lt1" tx1="dk1" bg2="lt2" tx2="dk2" accent1="accent1" accent2="accent2" accent3="accent3" accent4="accent4" accent5="accent5" accent6="accent6" hlink="hlink" folHlink="folHlink"/>
+    <a:masterClrMapping/>
   </p:clrMapOvr>
 </p:sldLayout>
 </file>
@@ -1133,7 +1119,7 @@
             <a:fld id="{7D2B3880-049A-4678-9ACE-2F637E71BA50}" type="datetimeFigureOut">
               <a:rPr lang="hu-HU" smtClean="0"/>
               <a:pPr/>
-              <a:t>2018. 04. 06.</a:t>
+              <a:t>2018. 04. 12.</a:t>
             </a:fld>
             <a:endParaRPr lang="hu-HU"/>
           </a:p>
@@ -1310,7 +1296,7 @@
             <a:fld id="{7D2B3880-049A-4678-9ACE-2F637E71BA50}" type="datetimeFigureOut">
               <a:rPr lang="hu-HU" smtClean="0"/>
               <a:pPr/>
-              <a:t>2018. 04. 06.</a:t>
+              <a:t>2018. 04. 12.</a:t>
             </a:fld>
             <a:endParaRPr lang="hu-HU"/>
           </a:p>
@@ -1482,7 +1468,7 @@
             <a:fld id="{7D2B3880-049A-4678-9ACE-2F637E71BA50}" type="datetimeFigureOut">
               <a:rPr lang="hu-HU" smtClean="0"/>
               <a:pPr/>
-              <a:t>2018. 04. 06.</a:t>
+              <a:t>2018. 04. 12.</a:t>
             </a:fld>
             <a:endParaRPr lang="hu-HU"/>
           </a:p>
@@ -1542,11 +1528,6 @@
 <file path=ppt/slideLayouts/slideLayout3.xml><?xml version="1.0" encoding="utf-8"?>
 <p:sldLayout xmlns:a="http://schemas.openxmlformats.org/drawingml/2006/main" xmlns:r="http://schemas.openxmlformats.org/officeDocument/2006/relationships" xmlns:p="http://schemas.openxmlformats.org/presentationml/2006/main" showMasterSp="0" type="secHead" preserve="1">
   <p:cSld name="Section Header">
-    <p:bg>
-      <p:bgRef idx="1001">
-        <a:schemeClr val="bg2"/>
-      </p:bgRef>
-    </p:bg>
     <p:spTree>
       <p:nvGrpSpPr>
         <p:cNvPr id="1" name=""/>
@@ -1694,7 +1675,7 @@
             <a:fld id="{7D2B3880-049A-4678-9ACE-2F637E71BA50}" type="datetimeFigureOut">
               <a:rPr lang="hu-HU" smtClean="0"/>
               <a:pPr/>
-              <a:t>2018. 04. 06.</a:t>
+              <a:t>2018. 04. 12.</a:t>
             </a:fld>
             <a:endParaRPr lang="hu-HU"/>
           </a:p>
@@ -2447,7 +2428,7 @@
     </p:spTree>
   </p:cSld>
   <p:clrMapOvr>
-    <a:overrideClrMapping bg1="dk1" tx1="lt1" bg2="dk2" tx2="lt2" accent1="accent1" accent2="accent2" accent3="accent3" accent4="accent4" accent5="accent5" accent6="accent6" hlink="hlink" folHlink="folHlink"/>
+    <a:masterClrMapping/>
   </p:clrMapOvr>
 </p:sldLayout>
 </file>
@@ -2510,7 +2491,7 @@
             <a:fld id="{7D2B3880-049A-4678-9ACE-2F637E71BA50}" type="datetimeFigureOut">
               <a:rPr lang="hu-HU" smtClean="0"/>
               <a:pPr/>
-              <a:t>2018. 04. 06.</a:t>
+              <a:t>2018. 04. 12.</a:t>
             </a:fld>
             <a:endParaRPr lang="hu-HU"/>
           </a:p>
@@ -2748,7 +2729,7 @@
             <a:fld id="{7D2B3880-049A-4678-9ACE-2F637E71BA50}" type="datetimeFigureOut">
               <a:rPr lang="hu-HU" smtClean="0"/>
               <a:pPr/>
-              <a:t>2018. 04. 06.</a:t>
+              <a:t>2018. 04. 12.</a:t>
             </a:fld>
             <a:endParaRPr lang="hu-HU"/>
           </a:p>
@@ -3073,7 +3054,7 @@
             <a:fld id="{7D2B3880-049A-4678-9ACE-2F637E71BA50}" type="datetimeFigureOut">
               <a:rPr lang="hu-HU" smtClean="0"/>
               <a:pPr/>
-              <a:t>2018. 04. 06.</a:t>
+              <a:t>2018. 04. 12.</a:t>
             </a:fld>
             <a:endParaRPr lang="hu-HU"/>
           </a:p>
@@ -3165,7 +3146,7 @@
             <a:fld id="{7D2B3880-049A-4678-9ACE-2F637E71BA50}" type="datetimeFigureOut">
               <a:rPr lang="hu-HU" smtClean="0"/>
               <a:pPr/>
-              <a:t>2018. 04. 06.</a:t>
+              <a:t>2018. 04. 12.</a:t>
             </a:fld>
             <a:endParaRPr lang="hu-HU"/>
           </a:p>
@@ -3225,11 +3206,6 @@
 <file path=ppt/slideLayouts/slideLayout8.xml><?xml version="1.0" encoding="utf-8"?>
 <p:sldLayout xmlns:a="http://schemas.openxmlformats.org/drawingml/2006/main" xmlns:r="http://schemas.openxmlformats.org/officeDocument/2006/relationships" xmlns:p="http://schemas.openxmlformats.org/presentationml/2006/main" showMasterSp="0" type="objTx" preserve="1">
   <p:cSld name="Content with Caption">
-    <p:bg>
-      <p:bgRef idx="1001">
-        <a:schemeClr val="bg1"/>
-      </p:bgRef>
-    </p:bg>
     <p:spTree>
       <p:nvGrpSpPr>
         <p:cNvPr id="1" name=""/>
@@ -3684,7 +3660,7 @@
             <a:fld id="{7D2B3880-049A-4678-9ACE-2F637E71BA50}" type="datetimeFigureOut">
               <a:rPr lang="hu-HU" smtClean="0"/>
               <a:pPr/>
-              <a:t>2018. 04. 06.</a:t>
+              <a:t>2018. 04. 12.</a:t>
             </a:fld>
             <a:endParaRPr lang="hu-HU"/>
           </a:p>
@@ -3736,7 +3712,7 @@
     </p:spTree>
   </p:cSld>
   <p:clrMapOvr>
-    <a:overrideClrMapping bg1="lt1" tx1="dk1" bg2="lt2" tx2="dk2" accent1="accent1" accent2="accent2" accent3="accent3" accent4="accent4" accent5="accent5" accent6="accent6" hlink="hlink" folHlink="folHlink"/>
+    <a:masterClrMapping/>
   </p:clrMapOvr>
 </p:sldLayout>
 </file>
@@ -4197,7 +4173,7 @@
             <a:fld id="{7D2B3880-049A-4678-9ACE-2F637E71BA50}" type="datetimeFigureOut">
               <a:rPr lang="hu-HU" smtClean="0"/>
               <a:pPr/>
-              <a:t>2018. 04. 06.</a:t>
+              <a:t>2018. 04. 12.</a:t>
             </a:fld>
             <a:endParaRPr lang="hu-HU"/>
           </a:p>
@@ -4259,7 +4235,7 @@
   <p:cSld>
     <p:bg>
       <p:bgRef idx="1001">
-        <a:schemeClr val="bg1"/>
+        <a:schemeClr val="bg2"/>
       </p:bgRef>
     </p:bg>
     <p:spTree>
@@ -4444,7 +4420,7 @@
             <a:fld id="{7D2B3880-049A-4678-9ACE-2F637E71BA50}" type="datetimeFigureOut">
               <a:rPr lang="hu-HU" smtClean="0"/>
               <a:pPr/>
-              <a:t>2018. 04. 06.</a:t>
+              <a:t>2018. 04. 12.</a:t>
             </a:fld>
             <a:endParaRPr lang="hu-HU"/>
           </a:p>
@@ -4729,7 +4705,7 @@
       </p:sp>
     </p:spTree>
   </p:cSld>
-  <p:clrMap bg1="lt1" tx1="dk1" bg2="lt2" tx2="dk2" accent1="accent1" accent2="accent2" accent3="accent3" accent4="accent4" accent5="accent5" accent6="accent6" hlink="hlink" folHlink="folHlink"/>
+  <p:clrMap bg1="dk1" tx1="lt1" bg2="dk2" tx2="lt2" accent1="accent1" accent2="accent2" accent3="accent3" accent4="accent4" accent5="accent5" accent6="accent6" hlink="hlink" folHlink="folHlink"/>
   <p:sldLayoutIdLst>
     <p:sldLayoutId id="2147483661" r:id="rId1"/>
     <p:sldLayoutId id="2147483662" r:id="rId2"/>
@@ -5074,7 +5050,11 @@
           <a:p>
             <a:r>
               <a:rPr lang="hu-HU" sz="5400" dirty="0" smtClean="0"/>
-              <a:t>Week 07</a:t>
+              <a:t>Week </a:t>
+            </a:r>
+            <a:r>
+              <a:rPr lang="hu-HU" sz="5400" dirty="0" smtClean="0"/>
+              <a:t>08</a:t>
             </a:r>
             <a:endParaRPr lang="hu-HU" sz="5400" dirty="0"/>
           </a:p>
@@ -5104,7 +5084,7 @@
           <a:p>
             <a:r>
               <a:rPr lang="hu-HU" sz="3600" dirty="0" smtClean="0"/>
-              <a:t>Backend + Forms</a:t>
+              <a:t>XHR + Closure</a:t>
             </a:r>
             <a:endParaRPr lang="hu-HU" sz="3600" dirty="0"/>
           </a:p>
@@ -5157,1146 +5137,6 @@
                 <a:latin typeface="Bahnschrift Light" pitchFamily="34" charset="0"/>
               </a:rPr>
               <a:t/>
-            </a:r>
-            <a:br>
-              <a:rPr lang="hu-HU" sz="1600" dirty="0" smtClean="0">
-                <a:latin typeface="Bahnschrift Light" pitchFamily="34" charset="0"/>
-              </a:rPr>
-            </a:br>
-            <a:r>
-              <a:rPr lang="hu-HU" sz="1600" dirty="0" smtClean="0">
-                <a:latin typeface="Bahnschrift Light" pitchFamily="34" charset="0"/>
-              </a:rPr>
-              <a:t>https://github.com/greenfox-academy/szapszap</a:t>
-            </a:r>
-            <a:endParaRPr lang="hu-HU" sz="1600" dirty="0">
-              <a:latin typeface="Bahnschrift Light" pitchFamily="34" charset="0"/>
-            </a:endParaRPr>
-          </a:p>
-        </p:txBody>
-      </p:sp>
-    </p:spTree>
-  </p:cSld>
-  <p:clrMapOvr>
-    <a:masterClrMapping/>
-  </p:clrMapOvr>
-  <p:timing>
-    <p:tnLst>
-      <p:par>
-        <p:cTn id="1" dur="indefinite" restart="never" nodeType="tmRoot"/>
-      </p:par>
-    </p:tnLst>
-  </p:timing>
-</p:sld>
-</file>
-
-<file path=ppt/slides/slide10.xml><?xml version="1.0" encoding="utf-8"?>
-<p:sld xmlns:a="http://schemas.openxmlformats.org/drawingml/2006/main" xmlns:r="http://schemas.openxmlformats.org/officeDocument/2006/relationships" xmlns:p="http://schemas.openxmlformats.org/presentationml/2006/main">
-  <p:cSld>
-    <p:spTree>
-      <p:nvGrpSpPr>
-        <p:cNvPr id="1" name=""/>
-        <p:cNvGrpSpPr/>
-        <p:nvPr/>
-      </p:nvGrpSpPr>
-      <p:grpSpPr>
-        <a:xfrm>
-          <a:off x="0" y="0"/>
-          <a:ext cx="0" cy="0"/>
-          <a:chOff x="0" y="0"/>
-          <a:chExt cx="0" cy="0"/>
-        </a:xfrm>
-      </p:grpSpPr>
-      <p:sp>
-        <p:nvSpPr>
-          <p:cNvPr id="2" name="Title 1"/>
-          <p:cNvSpPr>
-            <a:spLocks noGrp="1"/>
-          </p:cNvSpPr>
-          <p:nvPr>
-            <p:ph type="title"/>
-          </p:nvPr>
-        </p:nvSpPr>
-        <p:spPr/>
-        <p:txBody>
-          <a:bodyPr/>
-          <a:lstStyle/>
-          <a:p>
-            <a:r>
-              <a:rPr lang="hu-HU" dirty="0" smtClean="0"/>
-              <a:t>Let’s Create a Table Called Posts</a:t>
-            </a:r>
-            <a:endParaRPr lang="hu-HU" dirty="0"/>
-          </a:p>
-        </p:txBody>
-      </p:sp>
-      <p:sp>
-        <p:nvSpPr>
-          <p:cNvPr id="5" name="Content Placeholder 4"/>
-          <p:cNvSpPr>
-            <a:spLocks noGrp="1"/>
-          </p:cNvSpPr>
-          <p:nvPr>
-            <p:ph sz="quarter" idx="1"/>
-          </p:nvPr>
-        </p:nvSpPr>
-        <p:spPr/>
-        <p:txBody>
-          <a:bodyPr/>
-          <a:lstStyle/>
-          <a:p>
-            <a:endParaRPr lang="hu-HU"/>
-          </a:p>
-        </p:txBody>
-      </p:sp>
-      <p:pic>
-        <p:nvPicPr>
-          <p:cNvPr id="5123" name="Picture 3"/>
-          <p:cNvPicPr>
-            <a:picLocks noChangeAspect="1" noChangeArrowheads="1"/>
-          </p:cNvPicPr>
-          <p:nvPr/>
-        </p:nvPicPr>
-        <p:blipFill>
-          <a:blip r:embed="rId2"/>
-          <a:srcRect/>
-          <a:stretch>
-            <a:fillRect/>
-          </a:stretch>
-        </p:blipFill>
-        <p:spPr bwMode="auto">
-          <a:xfrm>
-            <a:off x="428596" y="1857364"/>
-            <a:ext cx="5834092" cy="2600338"/>
-          </a:xfrm>
-          <a:prstGeom prst="rect">
-            <a:avLst/>
-          </a:prstGeom>
-          <a:noFill/>
-          <a:ln w="9525">
-            <a:noFill/>
-            <a:miter lim="800000"/>
-            <a:headEnd/>
-            <a:tailEnd/>
-          </a:ln>
-          <a:effectLst/>
-        </p:spPr>
-      </p:pic>
-    </p:spTree>
-  </p:cSld>
-  <p:clrMapOvr>
-    <a:masterClrMapping/>
-  </p:clrMapOvr>
-  <p:timing>
-    <p:tnLst>
-      <p:par>
-        <p:cTn id="1" dur="indefinite" restart="never" nodeType="tmRoot"/>
-      </p:par>
-    </p:tnLst>
-  </p:timing>
-</p:sld>
-</file>
-
-<file path=ppt/slides/slide11.xml><?xml version="1.0" encoding="utf-8"?>
-<p:sld xmlns:a="http://schemas.openxmlformats.org/drawingml/2006/main" xmlns:r="http://schemas.openxmlformats.org/officeDocument/2006/relationships" xmlns:p="http://schemas.openxmlformats.org/presentationml/2006/main">
-  <p:cSld>
-    <p:spTree>
-      <p:nvGrpSpPr>
-        <p:cNvPr id="1" name=""/>
-        <p:cNvGrpSpPr/>
-        <p:nvPr/>
-      </p:nvGrpSpPr>
-      <p:grpSpPr>
-        <a:xfrm>
-          <a:off x="0" y="0"/>
-          <a:ext cx="0" cy="0"/>
-          <a:chOff x="0" y="0"/>
-          <a:chExt cx="0" cy="0"/>
-        </a:xfrm>
-      </p:grpSpPr>
-      <p:sp>
-        <p:nvSpPr>
-          <p:cNvPr id="2" name="Title 1"/>
-          <p:cNvSpPr>
-            <a:spLocks noGrp="1"/>
-          </p:cNvSpPr>
-          <p:nvPr>
-            <p:ph type="title"/>
-          </p:nvPr>
-        </p:nvSpPr>
-        <p:spPr/>
-        <p:txBody>
-          <a:bodyPr/>
-          <a:lstStyle/>
-          <a:p>
-            <a:r>
-              <a:rPr lang="hu-HU" dirty="0" smtClean="0"/>
-              <a:t>Add Some Data to It</a:t>
-            </a:r>
-            <a:endParaRPr lang="hu-HU" dirty="0"/>
-          </a:p>
-        </p:txBody>
-      </p:sp>
-      <p:sp>
-        <p:nvSpPr>
-          <p:cNvPr id="3" name="Content Placeholder 2"/>
-          <p:cNvSpPr>
-            <a:spLocks noGrp="1"/>
-          </p:cNvSpPr>
-          <p:nvPr>
-            <p:ph sz="quarter" idx="1"/>
-          </p:nvPr>
-        </p:nvSpPr>
-        <p:spPr/>
-        <p:txBody>
-          <a:bodyPr/>
-          <a:lstStyle/>
-          <a:p>
-            <a:endParaRPr lang="hu-HU"/>
-          </a:p>
-        </p:txBody>
-      </p:sp>
-      <p:pic>
-        <p:nvPicPr>
-          <p:cNvPr id="6146" name="Picture 2"/>
-          <p:cNvPicPr>
-            <a:picLocks noChangeAspect="1" noChangeArrowheads="1"/>
-          </p:cNvPicPr>
-          <p:nvPr/>
-        </p:nvPicPr>
-        <p:blipFill>
-          <a:blip r:embed="rId2"/>
-          <a:srcRect b="12500"/>
-          <a:stretch>
-            <a:fillRect/>
-          </a:stretch>
-        </p:blipFill>
-        <p:spPr bwMode="auto">
-          <a:xfrm>
-            <a:off x="214282" y="1928802"/>
-            <a:ext cx="8467195" cy="2000264"/>
-          </a:xfrm>
-          <a:prstGeom prst="rect">
-            <a:avLst/>
-          </a:prstGeom>
-          <a:noFill/>
-          <a:ln w="9525">
-            <a:noFill/>
-            <a:miter lim="800000"/>
-            <a:headEnd/>
-            <a:tailEnd/>
-          </a:ln>
-          <a:effectLst/>
-        </p:spPr>
-      </p:pic>
-    </p:spTree>
-  </p:cSld>
-  <p:clrMapOvr>
-    <a:masterClrMapping/>
-  </p:clrMapOvr>
-  <p:timing>
-    <p:tnLst>
-      <p:par>
-        <p:cTn id="1" dur="indefinite" restart="never" nodeType="tmRoot"/>
-      </p:par>
-    </p:tnLst>
-  </p:timing>
-</p:sld>
-</file>
-
-<file path=ppt/slides/slide12.xml><?xml version="1.0" encoding="utf-8"?>
-<p:sld xmlns:a="http://schemas.openxmlformats.org/drawingml/2006/main" xmlns:r="http://schemas.openxmlformats.org/officeDocument/2006/relationships" xmlns:p="http://schemas.openxmlformats.org/presentationml/2006/main">
-  <p:cSld>
-    <p:spTree>
-      <p:nvGrpSpPr>
-        <p:cNvPr id="1" name=""/>
-        <p:cNvGrpSpPr/>
-        <p:nvPr/>
-      </p:nvGrpSpPr>
-      <p:grpSpPr>
-        <a:xfrm>
-          <a:off x="0" y="0"/>
-          <a:ext cx="0" cy="0"/>
-          <a:chOff x="0" y="0"/>
-          <a:chExt cx="0" cy="0"/>
-        </a:xfrm>
-      </p:grpSpPr>
-      <p:sp>
-        <p:nvSpPr>
-          <p:cNvPr id="2" name="Title 1"/>
-          <p:cNvSpPr>
-            <a:spLocks noGrp="1"/>
-          </p:cNvSpPr>
-          <p:nvPr>
-            <p:ph type="title"/>
-          </p:nvPr>
-        </p:nvSpPr>
-        <p:spPr/>
-        <p:txBody>
-          <a:bodyPr/>
-          <a:lstStyle/>
-          <a:p>
-            <a:r>
-              <a:rPr lang="hu-HU" dirty="0" smtClean="0"/>
-              <a:t>Create a Connection with the DB</a:t>
-            </a:r>
-            <a:endParaRPr lang="hu-HU" dirty="0"/>
-          </a:p>
-        </p:txBody>
-      </p:sp>
-      <p:sp>
-        <p:nvSpPr>
-          <p:cNvPr id="3" name="Content Placeholder 2"/>
-          <p:cNvSpPr>
-            <a:spLocks noGrp="1"/>
-          </p:cNvSpPr>
-          <p:nvPr>
-            <p:ph sz="quarter" idx="1"/>
-          </p:nvPr>
-        </p:nvSpPr>
-        <p:spPr/>
-        <p:txBody>
-          <a:bodyPr/>
-          <a:lstStyle/>
-          <a:p>
-            <a:endParaRPr lang="hu-HU"/>
-          </a:p>
-        </p:txBody>
-      </p:sp>
-      <p:pic>
-        <p:nvPicPr>
-          <p:cNvPr id="7170" name="Picture 2"/>
-          <p:cNvPicPr>
-            <a:picLocks noChangeAspect="1" noChangeArrowheads="1"/>
-          </p:cNvPicPr>
-          <p:nvPr/>
-        </p:nvPicPr>
-        <p:blipFill>
-          <a:blip r:embed="rId2"/>
-          <a:srcRect/>
-          <a:stretch>
-            <a:fillRect/>
-          </a:stretch>
-        </p:blipFill>
-        <p:spPr bwMode="auto">
-          <a:xfrm>
-            <a:off x="357158" y="1643050"/>
-            <a:ext cx="6053253" cy="1824047"/>
-          </a:xfrm>
-          <a:prstGeom prst="rect">
-            <a:avLst/>
-          </a:prstGeom>
-          <a:noFill/>
-          <a:ln w="9525">
-            <a:noFill/>
-            <a:miter lim="800000"/>
-            <a:headEnd/>
-            <a:tailEnd/>
-          </a:ln>
-          <a:effectLst/>
-        </p:spPr>
-      </p:pic>
-    </p:spTree>
-  </p:cSld>
-  <p:clrMapOvr>
-    <a:masterClrMapping/>
-  </p:clrMapOvr>
-  <p:timing>
-    <p:tnLst>
-      <p:par>
-        <p:cTn id="1" dur="indefinite" restart="never" nodeType="tmRoot"/>
-      </p:par>
-    </p:tnLst>
-  </p:timing>
-</p:sld>
-</file>
-
-<file path=ppt/slides/slide13.xml><?xml version="1.0" encoding="utf-8"?>
-<p:sld xmlns:a="http://schemas.openxmlformats.org/drawingml/2006/main" xmlns:r="http://schemas.openxmlformats.org/officeDocument/2006/relationships" xmlns:p="http://schemas.openxmlformats.org/presentationml/2006/main">
-  <p:cSld>
-    <p:spTree>
-      <p:nvGrpSpPr>
-        <p:cNvPr id="1" name=""/>
-        <p:cNvGrpSpPr/>
-        <p:nvPr/>
-      </p:nvGrpSpPr>
-      <p:grpSpPr>
-        <a:xfrm>
-          <a:off x="0" y="0"/>
-          <a:ext cx="0" cy="0"/>
-          <a:chOff x="0" y="0"/>
-          <a:chExt cx="0" cy="0"/>
-        </a:xfrm>
-      </p:grpSpPr>
-      <p:sp>
-        <p:nvSpPr>
-          <p:cNvPr id="2" name="Title 1"/>
-          <p:cNvSpPr>
-            <a:spLocks noGrp="1"/>
-          </p:cNvSpPr>
-          <p:nvPr>
-            <p:ph type="title"/>
-          </p:nvPr>
-        </p:nvSpPr>
-        <p:spPr/>
-        <p:txBody>
-          <a:bodyPr/>
-          <a:lstStyle/>
-          <a:p>
-            <a:r>
-              <a:rPr lang="hu-HU" dirty="0" smtClean="0"/>
-              <a:t>Create a Connection with the DB</a:t>
-            </a:r>
-            <a:endParaRPr lang="hu-HU" dirty="0"/>
-          </a:p>
-        </p:txBody>
-      </p:sp>
-      <p:sp>
-        <p:nvSpPr>
-          <p:cNvPr id="3" name="Content Placeholder 2"/>
-          <p:cNvSpPr>
-            <a:spLocks noGrp="1"/>
-          </p:cNvSpPr>
-          <p:nvPr>
-            <p:ph sz="quarter" idx="1"/>
-          </p:nvPr>
-        </p:nvSpPr>
-        <p:spPr/>
-        <p:txBody>
-          <a:bodyPr/>
-          <a:lstStyle/>
-          <a:p>
-            <a:endParaRPr lang="hu-HU"/>
-          </a:p>
-        </p:txBody>
-      </p:sp>
-      <p:pic>
-        <p:nvPicPr>
-          <p:cNvPr id="7170" name="Picture 2"/>
-          <p:cNvPicPr>
-            <a:picLocks noChangeAspect="1" noChangeArrowheads="1"/>
-          </p:cNvPicPr>
-          <p:nvPr/>
-        </p:nvPicPr>
-        <p:blipFill>
-          <a:blip r:embed="rId2"/>
-          <a:srcRect/>
-          <a:stretch>
-            <a:fillRect/>
-          </a:stretch>
-        </p:blipFill>
-        <p:spPr bwMode="auto">
-          <a:xfrm>
-            <a:off x="357158" y="1643050"/>
-            <a:ext cx="6053253" cy="1824047"/>
-          </a:xfrm>
-          <a:prstGeom prst="rect">
-            <a:avLst/>
-          </a:prstGeom>
-          <a:noFill/>
-          <a:ln w="9525">
-            <a:noFill/>
-            <a:miter lim="800000"/>
-            <a:headEnd/>
-            <a:tailEnd/>
-          </a:ln>
-          <a:effectLst/>
-        </p:spPr>
-      </p:pic>
-      <p:pic>
-        <p:nvPicPr>
-          <p:cNvPr id="8194" name="Picture 2"/>
-          <p:cNvPicPr>
-            <a:picLocks noChangeAspect="1" noChangeArrowheads="1"/>
-          </p:cNvPicPr>
-          <p:nvPr/>
-        </p:nvPicPr>
-        <p:blipFill>
-          <a:blip r:embed="rId3"/>
-          <a:srcRect/>
-          <a:stretch>
-            <a:fillRect/>
-          </a:stretch>
-        </p:blipFill>
-        <p:spPr bwMode="auto">
-          <a:xfrm>
-            <a:off x="285720" y="3786190"/>
-            <a:ext cx="5064141" cy="1414467"/>
-          </a:xfrm>
-          <a:prstGeom prst="rect">
-            <a:avLst/>
-          </a:prstGeom>
-          <a:noFill/>
-          <a:ln w="9525">
-            <a:noFill/>
-            <a:miter lim="800000"/>
-            <a:headEnd/>
-            <a:tailEnd/>
-          </a:ln>
-          <a:effectLst/>
-        </p:spPr>
-      </p:pic>
-    </p:spTree>
-  </p:cSld>
-  <p:clrMapOvr>
-    <a:masterClrMapping/>
-  </p:clrMapOvr>
-  <p:timing>
-    <p:tnLst>
-      <p:par>
-        <p:cTn id="1" dur="indefinite" restart="never" nodeType="tmRoot"/>
-      </p:par>
-    </p:tnLst>
-  </p:timing>
-</p:sld>
-</file>
-
-<file path=ppt/slides/slide14.xml><?xml version="1.0" encoding="utf-8"?>
-<p:sld xmlns:a="http://schemas.openxmlformats.org/drawingml/2006/main" xmlns:r="http://schemas.openxmlformats.org/officeDocument/2006/relationships" xmlns:p="http://schemas.openxmlformats.org/presentationml/2006/main">
-  <p:cSld>
-    <p:spTree>
-      <p:nvGrpSpPr>
-        <p:cNvPr id="1" name=""/>
-        <p:cNvGrpSpPr/>
-        <p:nvPr/>
-      </p:nvGrpSpPr>
-      <p:grpSpPr>
-        <a:xfrm>
-          <a:off x="0" y="0"/>
-          <a:ext cx="0" cy="0"/>
-          <a:chOff x="0" y="0"/>
-          <a:chExt cx="0" cy="0"/>
-        </a:xfrm>
-      </p:grpSpPr>
-      <p:sp>
-        <p:nvSpPr>
-          <p:cNvPr id="2" name="Title 1"/>
-          <p:cNvSpPr>
-            <a:spLocks noGrp="1"/>
-          </p:cNvSpPr>
-          <p:nvPr>
-            <p:ph type="title"/>
-          </p:nvPr>
-        </p:nvSpPr>
-        <p:spPr/>
-        <p:txBody>
-          <a:bodyPr/>
-          <a:lstStyle/>
-          <a:p>
-            <a:r>
-              <a:rPr lang="hu-HU" dirty="0" smtClean="0"/>
-              <a:t>Create a Connection with the DB</a:t>
-            </a:r>
-            <a:endParaRPr lang="hu-HU" dirty="0"/>
-          </a:p>
-        </p:txBody>
-      </p:sp>
-      <p:sp>
-        <p:nvSpPr>
-          <p:cNvPr id="3" name="Content Placeholder 2"/>
-          <p:cNvSpPr>
-            <a:spLocks noGrp="1"/>
-          </p:cNvSpPr>
-          <p:nvPr>
-            <p:ph sz="quarter" idx="1"/>
-          </p:nvPr>
-        </p:nvSpPr>
-        <p:spPr/>
-        <p:txBody>
-          <a:bodyPr/>
-          <a:lstStyle/>
-          <a:p>
-            <a:endParaRPr lang="hu-HU" dirty="0"/>
-          </a:p>
-        </p:txBody>
-      </p:sp>
-      <p:pic>
-        <p:nvPicPr>
-          <p:cNvPr id="7170" name="Picture 2"/>
-          <p:cNvPicPr>
-            <a:picLocks noChangeAspect="1" noChangeArrowheads="1"/>
-          </p:cNvPicPr>
-          <p:nvPr/>
-        </p:nvPicPr>
-        <p:blipFill>
-          <a:blip r:embed="rId2"/>
-          <a:srcRect/>
-          <a:stretch>
-            <a:fillRect/>
-          </a:stretch>
-        </p:blipFill>
-        <p:spPr bwMode="auto">
-          <a:xfrm>
-            <a:off x="357158" y="1643050"/>
-            <a:ext cx="6053253" cy="1824047"/>
-          </a:xfrm>
-          <a:prstGeom prst="rect">
-            <a:avLst/>
-          </a:prstGeom>
-          <a:noFill/>
-          <a:ln w="9525">
-            <a:noFill/>
-            <a:miter lim="800000"/>
-            <a:headEnd/>
-            <a:tailEnd/>
-          </a:ln>
-          <a:effectLst/>
-        </p:spPr>
-      </p:pic>
-      <p:pic>
-        <p:nvPicPr>
-          <p:cNvPr id="8194" name="Picture 2"/>
-          <p:cNvPicPr>
-            <a:picLocks noChangeAspect="1" noChangeArrowheads="1"/>
-          </p:cNvPicPr>
-          <p:nvPr/>
-        </p:nvPicPr>
-        <p:blipFill>
-          <a:blip r:embed="rId3"/>
-          <a:srcRect/>
-          <a:stretch>
-            <a:fillRect/>
-          </a:stretch>
-        </p:blipFill>
-        <p:spPr bwMode="auto">
-          <a:xfrm>
-            <a:off x="285720" y="3786190"/>
-            <a:ext cx="5064141" cy="1414467"/>
-          </a:xfrm>
-          <a:prstGeom prst="rect">
-            <a:avLst/>
-          </a:prstGeom>
-          <a:noFill/>
-          <a:ln w="9525">
-            <a:noFill/>
-            <a:miter lim="800000"/>
-            <a:headEnd/>
-            <a:tailEnd/>
-          </a:ln>
-          <a:effectLst/>
-        </p:spPr>
-      </p:pic>
-      <p:pic>
-        <p:nvPicPr>
-          <p:cNvPr id="9219" name="Picture 3"/>
-          <p:cNvPicPr>
-            <a:picLocks noChangeAspect="1" noChangeArrowheads="1"/>
-          </p:cNvPicPr>
-          <p:nvPr/>
-        </p:nvPicPr>
-        <p:blipFill>
-          <a:blip r:embed="rId4"/>
-          <a:srcRect/>
-          <a:stretch>
-            <a:fillRect/>
-          </a:stretch>
-        </p:blipFill>
-        <p:spPr bwMode="auto">
-          <a:xfrm>
-            <a:off x="1285852" y="5500702"/>
-            <a:ext cx="6715172" cy="813165"/>
-          </a:xfrm>
-          <a:prstGeom prst="rect">
-            <a:avLst/>
-          </a:prstGeom>
-          <a:noFill/>
-          <a:ln w="9525">
-            <a:noFill/>
-            <a:miter lim="800000"/>
-            <a:headEnd/>
-            <a:tailEnd/>
-          </a:ln>
-          <a:effectLst/>
-        </p:spPr>
-      </p:pic>
-    </p:spTree>
-  </p:cSld>
-  <p:clrMapOvr>
-    <a:masterClrMapping/>
-  </p:clrMapOvr>
-  <p:timing>
-    <p:tnLst>
-      <p:par>
-        <p:cTn id="1" dur="indefinite" restart="never" nodeType="tmRoot"/>
-      </p:par>
-    </p:tnLst>
-  </p:timing>
-</p:sld>
-</file>
-
-<file path=ppt/slides/slide15.xml><?xml version="1.0" encoding="utf-8"?>
-<p:sld xmlns:a="http://schemas.openxmlformats.org/drawingml/2006/main" xmlns:r="http://schemas.openxmlformats.org/officeDocument/2006/relationships" xmlns:p="http://schemas.openxmlformats.org/presentationml/2006/main">
-  <p:cSld>
-    <p:spTree>
-      <p:nvGrpSpPr>
-        <p:cNvPr id="1" name=""/>
-        <p:cNvGrpSpPr/>
-        <p:nvPr/>
-      </p:nvGrpSpPr>
-      <p:grpSpPr>
-        <a:xfrm>
-          <a:off x="0" y="0"/>
-          <a:ext cx="0" cy="0"/>
-          <a:chOff x="0" y="0"/>
-          <a:chExt cx="0" cy="0"/>
-        </a:xfrm>
-      </p:grpSpPr>
-      <p:sp>
-        <p:nvSpPr>
-          <p:cNvPr id="2" name="Title 1"/>
-          <p:cNvSpPr>
-            <a:spLocks noGrp="1"/>
-          </p:cNvSpPr>
-          <p:nvPr>
-            <p:ph type="title"/>
-          </p:nvPr>
-        </p:nvSpPr>
-        <p:spPr/>
-        <p:txBody>
-          <a:bodyPr/>
-          <a:lstStyle/>
-          <a:p>
-            <a:r>
-              <a:rPr lang="hu-HU" dirty="0" smtClean="0"/>
-              <a:t>Execute Queries</a:t>
-            </a:r>
-            <a:endParaRPr lang="hu-HU" dirty="0"/>
-          </a:p>
-        </p:txBody>
-      </p:sp>
-      <p:sp>
-        <p:nvSpPr>
-          <p:cNvPr id="3" name="Content Placeholder 2"/>
-          <p:cNvSpPr>
-            <a:spLocks noGrp="1"/>
-          </p:cNvSpPr>
-          <p:nvPr>
-            <p:ph sz="quarter" idx="1"/>
-          </p:nvPr>
-        </p:nvSpPr>
-        <p:spPr/>
-        <p:txBody>
-          <a:bodyPr/>
-          <a:lstStyle/>
-          <a:p>
-            <a:endParaRPr lang="hu-HU"/>
-          </a:p>
-        </p:txBody>
-      </p:sp>
-      <p:pic>
-        <p:nvPicPr>
-          <p:cNvPr id="10242" name="Picture 2"/>
-          <p:cNvPicPr>
-            <a:picLocks noChangeAspect="1" noChangeArrowheads="1"/>
-          </p:cNvPicPr>
-          <p:nvPr/>
-        </p:nvPicPr>
-        <p:blipFill>
-          <a:blip r:embed="rId2"/>
-          <a:srcRect/>
-          <a:stretch>
-            <a:fillRect/>
-          </a:stretch>
-        </p:blipFill>
-        <p:spPr bwMode="auto">
-          <a:xfrm>
-            <a:off x="357158" y="2143116"/>
-            <a:ext cx="7183654" cy="2928958"/>
-          </a:xfrm>
-          <a:prstGeom prst="rect">
-            <a:avLst/>
-          </a:prstGeom>
-          <a:noFill/>
-          <a:ln w="9525">
-            <a:noFill/>
-            <a:miter lim="800000"/>
-            <a:headEnd/>
-            <a:tailEnd/>
-          </a:ln>
-          <a:effectLst/>
-        </p:spPr>
-      </p:pic>
-    </p:spTree>
-  </p:cSld>
-  <p:clrMapOvr>
-    <a:masterClrMapping/>
-  </p:clrMapOvr>
-  <p:timing>
-    <p:tnLst>
-      <p:par>
-        <p:cTn id="1" dur="indefinite" restart="never" nodeType="tmRoot"/>
-      </p:par>
-    </p:tnLst>
-  </p:timing>
-</p:sld>
-</file>
-
-<file path=ppt/slides/slide16.xml><?xml version="1.0" encoding="utf-8"?>
-<p:sld xmlns:a="http://schemas.openxmlformats.org/drawingml/2006/main" xmlns:r="http://schemas.openxmlformats.org/officeDocument/2006/relationships" xmlns:p="http://schemas.openxmlformats.org/presentationml/2006/main">
-  <p:cSld>
-    <p:spTree>
-      <p:nvGrpSpPr>
-        <p:cNvPr id="1" name=""/>
-        <p:cNvGrpSpPr/>
-        <p:nvPr/>
-      </p:nvGrpSpPr>
-      <p:grpSpPr>
-        <a:xfrm>
-          <a:off x="0" y="0"/>
-          <a:ext cx="0" cy="0"/>
-          <a:chOff x="0" y="0"/>
-          <a:chExt cx="0" cy="0"/>
-        </a:xfrm>
-      </p:grpSpPr>
-      <p:sp>
-        <p:nvSpPr>
-          <p:cNvPr id="2" name="Title 1"/>
-          <p:cNvSpPr>
-            <a:spLocks noGrp="1"/>
-          </p:cNvSpPr>
-          <p:nvPr>
-            <p:ph type="title"/>
-          </p:nvPr>
-        </p:nvSpPr>
-        <p:spPr/>
-        <p:txBody>
-          <a:bodyPr/>
-          <a:lstStyle/>
-          <a:p>
-            <a:r>
-              <a:rPr lang="hu-HU" dirty="0" smtClean="0"/>
-              <a:t>Display Data in the Browser</a:t>
-            </a:r>
-            <a:endParaRPr lang="hu-HU" dirty="0"/>
-          </a:p>
-        </p:txBody>
-      </p:sp>
-      <p:sp>
-        <p:nvSpPr>
-          <p:cNvPr id="3" name="Content Placeholder 2"/>
-          <p:cNvSpPr>
-            <a:spLocks noGrp="1"/>
-          </p:cNvSpPr>
-          <p:nvPr>
-            <p:ph sz="quarter" idx="1"/>
-          </p:nvPr>
-        </p:nvSpPr>
-        <p:spPr/>
-        <p:txBody>
-          <a:bodyPr/>
-          <a:lstStyle/>
-          <a:p>
-            <a:endParaRPr lang="hu-HU"/>
-          </a:p>
-        </p:txBody>
-      </p:sp>
-      <p:pic>
-        <p:nvPicPr>
-          <p:cNvPr id="11267" name="Picture 3"/>
-          <p:cNvPicPr>
-            <a:picLocks noChangeAspect="1" noChangeArrowheads="1"/>
-          </p:cNvPicPr>
-          <p:nvPr/>
-        </p:nvPicPr>
-        <p:blipFill>
-          <a:blip r:embed="rId2"/>
-          <a:srcRect/>
-          <a:stretch>
-            <a:fillRect/>
-          </a:stretch>
-        </p:blipFill>
-        <p:spPr bwMode="auto">
-          <a:xfrm>
-            <a:off x="142844" y="2357430"/>
-            <a:ext cx="8306744" cy="2286016"/>
-          </a:xfrm>
-          <a:prstGeom prst="rect">
-            <a:avLst/>
-          </a:prstGeom>
-          <a:noFill/>
-          <a:ln w="9525">
-            <a:noFill/>
-            <a:miter lim="800000"/>
-            <a:headEnd/>
-            <a:tailEnd/>
-          </a:ln>
-          <a:effectLst/>
-        </p:spPr>
-      </p:pic>
-    </p:spTree>
-  </p:cSld>
-  <p:clrMapOvr>
-    <a:masterClrMapping/>
-  </p:clrMapOvr>
-  <p:timing>
-    <p:tnLst>
-      <p:par>
-        <p:cTn id="1" dur="indefinite" restart="never" nodeType="tmRoot"/>
-      </p:par>
-    </p:tnLst>
-  </p:timing>
-</p:sld>
-</file>
-
-<file path=ppt/slides/slide17.xml><?xml version="1.0" encoding="utf-8"?>
-<p:sld xmlns:a="http://schemas.openxmlformats.org/drawingml/2006/main" xmlns:r="http://schemas.openxmlformats.org/officeDocument/2006/relationships" xmlns:p="http://schemas.openxmlformats.org/presentationml/2006/main">
-  <p:cSld>
-    <p:spTree>
-      <p:nvGrpSpPr>
-        <p:cNvPr id="1" name=""/>
-        <p:cNvGrpSpPr/>
-        <p:nvPr/>
-      </p:nvGrpSpPr>
-      <p:grpSpPr>
-        <a:xfrm>
-          <a:off x="0" y="0"/>
-          <a:ext cx="0" cy="0"/>
-          <a:chOff x="0" y="0"/>
-          <a:chExt cx="0" cy="0"/>
-        </a:xfrm>
-      </p:grpSpPr>
-      <p:sp>
-        <p:nvSpPr>
-          <p:cNvPr id="2" name="Title 1"/>
-          <p:cNvSpPr>
-            <a:spLocks noGrp="1"/>
-          </p:cNvSpPr>
-          <p:nvPr>
-            <p:ph type="title"/>
-          </p:nvPr>
-        </p:nvSpPr>
-        <p:spPr/>
-        <p:txBody>
-          <a:bodyPr/>
-          <a:lstStyle/>
-          <a:p>
-            <a:r>
-              <a:rPr lang="hu-HU" dirty="0" smtClean="0"/>
-              <a:t>The Result</a:t>
-            </a:r>
-            <a:endParaRPr lang="hu-HU" dirty="0"/>
-          </a:p>
-        </p:txBody>
-      </p:sp>
-      <p:sp>
-        <p:nvSpPr>
-          <p:cNvPr id="3" name="Content Placeholder 2"/>
-          <p:cNvSpPr>
-            <a:spLocks noGrp="1"/>
-          </p:cNvSpPr>
-          <p:nvPr>
-            <p:ph sz="quarter" idx="1"/>
-          </p:nvPr>
-        </p:nvSpPr>
-        <p:spPr/>
-        <p:txBody>
-          <a:bodyPr/>
-          <a:lstStyle/>
-          <a:p>
-            <a:endParaRPr lang="hu-HU" dirty="0"/>
-          </a:p>
-        </p:txBody>
-      </p:sp>
-      <p:pic>
-        <p:nvPicPr>
-          <p:cNvPr id="1026" name="Picture 2"/>
-          <p:cNvPicPr>
-            <a:picLocks noChangeAspect="1" noChangeArrowheads="1"/>
-          </p:cNvPicPr>
-          <p:nvPr/>
-        </p:nvPicPr>
-        <p:blipFill>
-          <a:blip r:embed="rId2"/>
-          <a:srcRect/>
-          <a:stretch>
-            <a:fillRect/>
-          </a:stretch>
-        </p:blipFill>
-        <p:spPr bwMode="auto">
-          <a:xfrm>
-            <a:off x="214282" y="2571744"/>
-            <a:ext cx="8515350" cy="1643074"/>
-          </a:xfrm>
-          <a:prstGeom prst="rect">
-            <a:avLst/>
-          </a:prstGeom>
-          <a:noFill/>
-          <a:ln w="9525">
-            <a:noFill/>
-            <a:miter lim="800000"/>
-            <a:headEnd/>
-            <a:tailEnd/>
-          </a:ln>
-          <a:effectLst/>
-        </p:spPr>
-      </p:pic>
-      <p:pic>
-        <p:nvPicPr>
-          <p:cNvPr id="1027" name="Picture 3"/>
-          <p:cNvPicPr>
-            <a:picLocks noChangeAspect="1" noChangeArrowheads="1"/>
-          </p:cNvPicPr>
-          <p:nvPr/>
-        </p:nvPicPr>
-        <p:blipFill>
-          <a:blip r:embed="rId3"/>
-          <a:srcRect/>
-          <a:stretch>
-            <a:fillRect/>
-          </a:stretch>
-        </p:blipFill>
-        <p:spPr bwMode="auto">
-          <a:xfrm>
-            <a:off x="714348" y="1928802"/>
-            <a:ext cx="7929618" cy="642938"/>
-          </a:xfrm>
-          <a:prstGeom prst="rect">
-            <a:avLst/>
-          </a:prstGeom>
-          <a:noFill/>
-          <a:ln w="9525">
-            <a:noFill/>
-            <a:miter lim="800000"/>
-            <a:headEnd/>
-            <a:tailEnd/>
-          </a:ln>
-          <a:effectLst/>
-        </p:spPr>
-      </p:pic>
-    </p:spTree>
-  </p:cSld>
-  <p:clrMapOvr>
-    <a:masterClrMapping/>
-  </p:clrMapOvr>
-  <p:timing>
-    <p:tnLst>
-      <p:par>
-        <p:cTn id="1" dur="indefinite" restart="never" nodeType="tmRoot"/>
-      </p:par>
-    </p:tnLst>
-  </p:timing>
-</p:sld>
-</file>
-
-<file path=ppt/slides/slide18.xml><?xml version="1.0" encoding="utf-8"?>
-<p:sld xmlns:a="http://schemas.openxmlformats.org/drawingml/2006/main" xmlns:r="http://schemas.openxmlformats.org/officeDocument/2006/relationships" xmlns:p="http://schemas.openxmlformats.org/presentationml/2006/main">
-  <p:cSld>
-    <p:spTree>
-      <p:nvGrpSpPr>
-        <p:cNvPr id="1" name=""/>
-        <p:cNvGrpSpPr/>
-        <p:nvPr/>
-      </p:nvGrpSpPr>
-      <p:grpSpPr>
-        <a:xfrm>
-          <a:off x="0" y="0"/>
-          <a:ext cx="0" cy="0"/>
-          <a:chOff x="0" y="0"/>
-          <a:chExt cx="0" cy="0"/>
-        </a:xfrm>
-      </p:grpSpPr>
-      <p:sp>
-        <p:nvSpPr>
-          <p:cNvPr id="2" name="Title 1"/>
-          <p:cNvSpPr>
-            <a:spLocks noGrp="1"/>
-          </p:cNvSpPr>
-          <p:nvPr>
-            <p:ph type="title"/>
-          </p:nvPr>
-        </p:nvSpPr>
-        <p:spPr>
-          <a:xfrm>
-            <a:off x="571472" y="1714488"/>
-            <a:ext cx="7572428" cy="1143000"/>
-          </a:xfrm>
-        </p:spPr>
-        <p:txBody>
-          <a:bodyPr>
-            <a:noAutofit/>
-          </a:bodyPr>
-          <a:lstStyle/>
-          <a:p>
-            <a:pPr algn="ctr"/>
-            <a:r>
-              <a:rPr lang="hu-HU" sz="5400" dirty="0" smtClean="0"/>
-              <a:t>Thanks for watching!</a:t>
-            </a:r>
-            <a:endParaRPr lang="hu-HU" sz="5400" dirty="0"/>
-          </a:p>
-        </p:txBody>
-      </p:sp>
-      <p:sp>
-        <p:nvSpPr>
-          <p:cNvPr id="3" name="Content Placeholder 2"/>
-          <p:cNvSpPr>
-            <a:spLocks noGrp="1"/>
-          </p:cNvSpPr>
-          <p:nvPr>
-            <p:ph sz="quarter" idx="1"/>
-          </p:nvPr>
-        </p:nvSpPr>
-        <p:spPr>
-          <a:xfrm>
-            <a:off x="500034" y="2000240"/>
-            <a:ext cx="7467600" cy="3759332"/>
-          </a:xfrm>
-        </p:spPr>
-        <p:txBody>
-          <a:bodyPr/>
-          <a:lstStyle/>
-          <a:p>
-            <a:endParaRPr lang="hu-HU" dirty="0" smtClean="0"/>
-          </a:p>
-          <a:p>
-            <a:endParaRPr lang="hu-HU" b="1" dirty="0" smtClean="0"/>
-          </a:p>
-          <a:p>
-            <a:endParaRPr lang="hu-HU" dirty="0" smtClean="0"/>
-          </a:p>
-          <a:p>
-            <a:endParaRPr lang="hu-HU" dirty="0" smtClean="0"/>
-          </a:p>
-          <a:p>
-            <a:pPr algn="ctr">
-              <a:buNone/>
-            </a:pPr>
-            <a:r>
-              <a:rPr lang="hu-HU" dirty="0" smtClean="0"/>
-              <a:t>(Or listening)</a:t>
-            </a:r>
-            <a:endParaRPr lang="hu-HU" dirty="0"/>
-          </a:p>
-        </p:txBody>
-      </p:sp>
-      <p:sp>
-        <p:nvSpPr>
-          <p:cNvPr id="4" name="TextBox 3"/>
-          <p:cNvSpPr txBox="1"/>
-          <p:nvPr/>
-        </p:nvSpPr>
-        <p:spPr>
-          <a:xfrm>
-            <a:off x="4214810" y="6273225"/>
-            <a:ext cx="4714908" cy="584775"/>
-          </a:xfrm>
-          <a:prstGeom prst="rect">
-            <a:avLst/>
-          </a:prstGeom>
-          <a:noFill/>
-        </p:spPr>
-        <p:txBody>
-          <a:bodyPr wrap="square" rtlCol="0">
-            <a:spAutoFit/>
-          </a:bodyPr>
-          <a:lstStyle/>
-          <a:p>
-            <a:pPr algn="ctr"/>
-            <a:r>
-              <a:rPr lang="hu-HU" sz="1600" dirty="0" smtClean="0">
-                <a:latin typeface="Bahnschrift Light" pitchFamily="34" charset="0"/>
-              </a:rPr>
-              <a:t>Alexandra Rujzam</a:t>
             </a:r>
             <a:br>
               <a:rPr lang="hu-HU" sz="1600" dirty="0" smtClean="0">
@@ -6396,7 +5236,13 @@
               <a:rPr lang="hu-HU" sz="3200" dirty="0" smtClean="0">
                 <a:latin typeface="Bahnschrift" pitchFamily="34" charset="0"/>
               </a:rPr>
-              <a:t> Express + Node + NPM + REST</a:t>
+              <a:t> </a:t>
+            </a:r>
+            <a:r>
+              <a:rPr lang="hu-HU" sz="3200" dirty="0" smtClean="0">
+                <a:latin typeface="Bahnschrift" pitchFamily="34" charset="0"/>
+              </a:rPr>
+              <a:t>Training / Dojo</a:t>
             </a:r>
             <a:r>
               <a:rPr lang="hu-HU" dirty="0" smtClean="0"/>
@@ -6536,35 +5382,21 @@
               <a:rPr lang="hu-HU" sz="3200" dirty="0" smtClean="0">
                 <a:latin typeface="Bahnschrift" pitchFamily="34" charset="0"/>
               </a:rPr>
-              <a:t> Express + Node + NPM + REST</a:t>
-            </a:r>
-            <a:br>
+              <a:t> </a:t>
+            </a:r>
+            <a:r>
               <a:rPr lang="hu-HU" sz="3200" dirty="0" smtClean="0">
                 <a:latin typeface="Bahnschrift" pitchFamily="34" charset="0"/>
               </a:rPr>
-            </a:br>
-            <a:endParaRPr lang="hu-HU" sz="3200" dirty="0" smtClean="0">
-              <a:latin typeface="Bahnschrift" pitchFamily="34" charset="0"/>
-            </a:endParaRPr>
+              <a:t>Training / Dojo</a:t>
+            </a:r>
           </a:p>
           <a:p>
             <a:r>
               <a:rPr lang="hu-HU" sz="3200" dirty="0" smtClean="0">
                 <a:latin typeface="Bahnschrift" pitchFamily="34" charset="0"/>
               </a:rPr>
-              <a:t> </a:t>
-            </a:r>
-            <a:r>
-              <a:rPr lang="hu-HU" sz="3200" dirty="0" smtClean="0">
-                <a:latin typeface="Bahnschrift" pitchFamily="34" charset="0"/>
-              </a:rPr>
-              <a:t>HTML Tables </a:t>
-            </a:r>
-            <a:r>
-              <a:rPr lang="hu-HU" sz="3200" dirty="0" smtClean="0">
-                <a:latin typeface="Bahnschrift" pitchFamily="34" charset="0"/>
-              </a:rPr>
-              <a:t>and Forms</a:t>
+              <a:t> Closure  +  .Bind  +  This</a:t>
             </a:r>
             <a:r>
               <a:rPr lang="hu-HU" dirty="0" smtClean="0"/>
@@ -6667,16 +5499,10 @@
         </p:nvSpPr>
         <p:spPr/>
         <p:txBody>
-          <a:bodyPr>
-            <a:normAutofit fontScale="90000"/>
-          </a:bodyPr>
-          <a:lstStyle/>
-          <a:p>
-            <a:r>
-              <a:rPr lang="hu-HU" sz="4000" b="1" dirty="0" smtClean="0"/>
-              <a:t>What we learned this week</a:t>
-            </a:r>
-            <a:endParaRPr lang="hu-HU" sz="4000" b="1" dirty="0"/>
+          <a:bodyPr/>
+          <a:lstStyle/>
+          <a:p>
+            <a:endParaRPr lang="hu-HU"/>
           </a:p>
         </p:txBody>
       </p:sp>
@@ -6690,123 +5516,48 @@
             <p:ph sz="quarter" idx="1"/>
           </p:nvPr>
         </p:nvSpPr>
-        <p:spPr>
-          <a:xfrm>
-            <a:off x="500034" y="1785926"/>
-            <a:ext cx="7467600" cy="4873752"/>
-          </a:xfrm>
-        </p:spPr>
+        <p:spPr/>
         <p:txBody>
           <a:bodyPr/>
           <a:lstStyle/>
           <a:p>
-            <a:r>
-              <a:rPr lang="hu-HU" sz="3200" dirty="0" smtClean="0">
-                <a:latin typeface="Bahnschrift" pitchFamily="34" charset="0"/>
-              </a:rPr>
-              <a:t> Express + Node + NPM + REST</a:t>
-            </a:r>
-            <a:br>
-              <a:rPr lang="hu-HU" sz="3200" dirty="0" smtClean="0">
-                <a:latin typeface="Bahnschrift" pitchFamily="34" charset="0"/>
-              </a:rPr>
-            </a:br>
-            <a:endParaRPr lang="hu-HU" sz="3200" dirty="0" smtClean="0">
-              <a:latin typeface="Bahnschrift" pitchFamily="34" charset="0"/>
-            </a:endParaRPr>
-          </a:p>
-          <a:p>
-            <a:r>
-              <a:rPr lang="hu-HU" sz="3200" dirty="0" smtClean="0">
-                <a:latin typeface="Bahnschrift" pitchFamily="34" charset="0"/>
-              </a:rPr>
-              <a:t> </a:t>
-            </a:r>
-            <a:r>
-              <a:rPr lang="hu-HU" sz="3200" dirty="0" smtClean="0">
-                <a:latin typeface="Bahnschrift" pitchFamily="34" charset="0"/>
-              </a:rPr>
-              <a:t>HTML Tables </a:t>
-            </a:r>
-            <a:r>
-              <a:rPr lang="hu-HU" sz="3200" dirty="0" smtClean="0">
-                <a:latin typeface="Bahnschrift" pitchFamily="34" charset="0"/>
-              </a:rPr>
-              <a:t>and Forms</a:t>
-            </a:r>
-            <a:br>
-              <a:rPr lang="hu-HU" sz="3200" dirty="0" smtClean="0">
-                <a:latin typeface="Bahnschrift" pitchFamily="34" charset="0"/>
-              </a:rPr>
-            </a:br>
-            <a:endParaRPr lang="hu-HU" sz="3200" dirty="0" smtClean="0">
-              <a:latin typeface="Bahnschrift" pitchFamily="34" charset="0"/>
-            </a:endParaRPr>
-          </a:p>
-          <a:p>
-            <a:r>
-              <a:rPr lang="hu-HU" sz="3200" dirty="0" smtClean="0">
-                <a:latin typeface="Bahnschrift" pitchFamily="34" charset="0"/>
-              </a:rPr>
-              <a:t> Templating</a:t>
-            </a:r>
-            <a:r>
-              <a:rPr lang="hu-HU" dirty="0" smtClean="0"/>
-              <a:t/>
-            </a:r>
-            <a:br>
-              <a:rPr lang="hu-HU" dirty="0" smtClean="0"/>
-            </a:br>
-            <a:endParaRPr lang="hu-HU" dirty="0" smtClean="0"/>
-          </a:p>
-        </p:txBody>
-      </p:sp>
-      <p:sp>
-        <p:nvSpPr>
-          <p:cNvPr id="5" name="TextBox 4"/>
-          <p:cNvSpPr txBox="1"/>
+            <a:endParaRPr lang="hu-HU"/>
+          </a:p>
+        </p:txBody>
+      </p:sp>
+      <p:pic>
+        <p:nvPicPr>
+          <p:cNvPr id="1026" name="Picture 2"/>
+          <p:cNvPicPr>
+            <a:picLocks noChangeAspect="1" noChangeArrowheads="1"/>
+          </p:cNvPicPr>
           <p:nvPr/>
-        </p:nvSpPr>
-        <p:spPr>
-          <a:xfrm>
-            <a:off x="4214810" y="6273225"/>
-            <a:ext cx="4714908" cy="584775"/>
+        </p:nvPicPr>
+        <p:blipFill>
+          <a:blip r:embed="rId2"/>
+          <a:srcRect/>
+          <a:stretch>
+            <a:fillRect/>
+          </a:stretch>
+        </p:blipFill>
+        <p:spPr bwMode="auto">
+          <a:xfrm>
+            <a:off x="500034" y="142852"/>
+            <a:ext cx="6768448" cy="2786082"/>
           </a:xfrm>
           <a:prstGeom prst="rect">
             <a:avLst/>
           </a:prstGeom>
           <a:noFill/>
-        </p:spPr>
-        <p:txBody>
-          <a:bodyPr wrap="square" rtlCol="0">
-            <a:spAutoFit/>
-          </a:bodyPr>
-          <a:lstStyle/>
-          <a:p>
-            <a:pPr algn="ctr"/>
-            <a:r>
-              <a:rPr lang="hu-HU" sz="1600" dirty="0" smtClean="0">
-                <a:latin typeface="Bahnschrift Light" pitchFamily="34" charset="0"/>
-              </a:rPr>
-              <a:t>Alexandra Rujzam</a:t>
-            </a:r>
-            <a:br>
-              <a:rPr lang="hu-HU" sz="1600" dirty="0" smtClean="0">
-                <a:latin typeface="Bahnschrift Light" pitchFamily="34" charset="0"/>
-              </a:rPr>
-            </a:br>
-            <a:r>
-              <a:rPr lang="hu-HU" sz="1600" dirty="0" smtClean="0">
-                <a:latin typeface="Bahnschrift Light" pitchFamily="34" charset="0"/>
-              </a:rPr>
-              <a:t>https://github.com/greenfox-academy/szapszap</a:t>
-            </a:r>
-            <a:endParaRPr lang="hu-HU" sz="1600" dirty="0">
-              <a:latin typeface="Bahnschrift Light" pitchFamily="34" charset="0"/>
-            </a:endParaRPr>
-          </a:p>
-        </p:txBody>
-      </p:sp>
+          <a:ln w="9525">
+            <a:noFill/>
+            <a:miter lim="800000"/>
+            <a:headEnd/>
+            <a:tailEnd/>
+          </a:ln>
+          <a:effectLst/>
+        </p:spPr>
+      </p:pic>
     </p:spTree>
   </p:cSld>
   <p:clrMapOvr>
@@ -6851,16 +5602,10 @@
         </p:nvSpPr>
         <p:spPr/>
         <p:txBody>
-          <a:bodyPr>
-            <a:normAutofit fontScale="90000"/>
-          </a:bodyPr>
-          <a:lstStyle/>
-          <a:p>
-            <a:r>
-              <a:rPr lang="hu-HU" sz="4000" b="1" dirty="0" smtClean="0"/>
-              <a:t>What we learned this week</a:t>
-            </a:r>
-            <a:endParaRPr lang="hu-HU" sz="4000" b="1" dirty="0"/>
+          <a:bodyPr/>
+          <a:lstStyle/>
+          <a:p>
+            <a:endParaRPr lang="hu-HU"/>
           </a:p>
         </p:txBody>
       </p:sp>
@@ -6874,139 +5619,81 @@
             <p:ph sz="quarter" idx="1"/>
           </p:nvPr>
         </p:nvSpPr>
-        <p:spPr>
-          <a:xfrm>
-            <a:off x="500034" y="1785926"/>
-            <a:ext cx="7467600" cy="4873752"/>
-          </a:xfrm>
-        </p:spPr>
+        <p:spPr/>
         <p:txBody>
           <a:bodyPr/>
           <a:lstStyle/>
           <a:p>
-            <a:r>
-              <a:rPr lang="hu-HU" sz="3200" dirty="0" smtClean="0">
-                <a:latin typeface="Bahnschrift" pitchFamily="34" charset="0"/>
-              </a:rPr>
-              <a:t> Express + Node + NPM + REST</a:t>
-            </a:r>
-            <a:br>
-              <a:rPr lang="hu-HU" sz="3200" dirty="0" smtClean="0">
-                <a:latin typeface="Bahnschrift" pitchFamily="34" charset="0"/>
-              </a:rPr>
-            </a:br>
-            <a:endParaRPr lang="hu-HU" sz="3200" dirty="0" smtClean="0">
-              <a:latin typeface="Bahnschrift" pitchFamily="34" charset="0"/>
-            </a:endParaRPr>
-          </a:p>
-          <a:p>
-            <a:r>
-              <a:rPr lang="hu-HU" sz="3200" dirty="0" smtClean="0">
-                <a:latin typeface="Bahnschrift" pitchFamily="34" charset="0"/>
-              </a:rPr>
-              <a:t> </a:t>
-            </a:r>
-            <a:r>
-              <a:rPr lang="hu-HU" sz="3200" dirty="0" smtClean="0">
-                <a:latin typeface="Bahnschrift" pitchFamily="34" charset="0"/>
-              </a:rPr>
-              <a:t>HTML Tables </a:t>
-            </a:r>
-            <a:r>
-              <a:rPr lang="hu-HU" sz="3200" dirty="0" smtClean="0">
-                <a:latin typeface="Bahnschrift" pitchFamily="34" charset="0"/>
-              </a:rPr>
-              <a:t>and Forms</a:t>
-            </a:r>
-            <a:br>
-              <a:rPr lang="hu-HU" sz="3200" dirty="0" smtClean="0">
-                <a:latin typeface="Bahnschrift" pitchFamily="34" charset="0"/>
-              </a:rPr>
-            </a:br>
-            <a:endParaRPr lang="hu-HU" sz="3200" dirty="0" smtClean="0">
-              <a:latin typeface="Bahnschrift" pitchFamily="34" charset="0"/>
-            </a:endParaRPr>
-          </a:p>
-          <a:p>
-            <a:r>
-              <a:rPr lang="hu-HU" sz="3200" dirty="0" smtClean="0">
-                <a:latin typeface="Bahnschrift" pitchFamily="34" charset="0"/>
-              </a:rPr>
-              <a:t> Templating</a:t>
-            </a:r>
-            <a:br>
-              <a:rPr lang="hu-HU" sz="3200" dirty="0" smtClean="0">
-                <a:latin typeface="Bahnschrift" pitchFamily="34" charset="0"/>
-              </a:rPr>
-            </a:br>
-            <a:endParaRPr lang="hu-HU" sz="3200" dirty="0" smtClean="0">
-              <a:latin typeface="Bahnschrift" pitchFamily="34" charset="0"/>
-            </a:endParaRPr>
-          </a:p>
-          <a:p>
-            <a:r>
-              <a:rPr lang="hu-HU" sz="3200" dirty="0" smtClean="0">
-                <a:latin typeface="Bahnschrift" pitchFamily="34" charset="0"/>
-              </a:rPr>
-              <a:t> Reddit Project incl. MySQL</a:t>
-            </a:r>
-            <a:r>
-              <a:rPr lang="hu-HU" dirty="0" smtClean="0"/>
-              <a:t/>
-            </a:r>
-            <a:br>
-              <a:rPr lang="hu-HU" dirty="0" smtClean="0"/>
-            </a:br>
-            <a:endParaRPr lang="hu-HU" dirty="0" smtClean="0"/>
-          </a:p>
-        </p:txBody>
-      </p:sp>
-      <p:sp>
-        <p:nvSpPr>
-          <p:cNvPr id="5" name="TextBox 4"/>
-          <p:cNvSpPr txBox="1"/>
+            <a:endParaRPr lang="hu-HU" dirty="0"/>
+          </a:p>
+        </p:txBody>
+      </p:sp>
+      <p:pic>
+        <p:nvPicPr>
+          <p:cNvPr id="1026" name="Picture 2"/>
+          <p:cNvPicPr>
+            <a:picLocks noChangeAspect="1" noChangeArrowheads="1"/>
+          </p:cNvPicPr>
           <p:nvPr/>
-        </p:nvSpPr>
-        <p:spPr>
-          <a:xfrm>
-            <a:off x="4214810" y="6273225"/>
-            <a:ext cx="4714908" cy="584775"/>
+        </p:nvPicPr>
+        <p:blipFill>
+          <a:blip r:embed="rId2"/>
+          <a:srcRect/>
+          <a:stretch>
+            <a:fillRect/>
+          </a:stretch>
+        </p:blipFill>
+        <p:spPr bwMode="auto">
+          <a:xfrm>
+            <a:off x="500034" y="142852"/>
+            <a:ext cx="6768448" cy="2786082"/>
           </a:xfrm>
           <a:prstGeom prst="rect">
             <a:avLst/>
           </a:prstGeom>
           <a:noFill/>
-        </p:spPr>
-        <p:txBody>
-          <a:bodyPr wrap="square" rtlCol="0">
-            <a:spAutoFit/>
-          </a:bodyPr>
-          <a:lstStyle/>
-          <a:p>
-            <a:pPr algn="ctr"/>
-            <a:r>
-              <a:rPr lang="hu-HU" sz="1600" dirty="0" smtClean="0">
-                <a:latin typeface="Bahnschrift Light" pitchFamily="34" charset="0"/>
-              </a:rPr>
-              <a:t>Alexandra Rujzam</a:t>
-            </a:r>
-            <a:br>
-              <a:rPr lang="hu-HU" sz="1600" dirty="0" smtClean="0">
-                <a:latin typeface="Bahnschrift Light" pitchFamily="34" charset="0"/>
-              </a:rPr>
-            </a:br>
-            <a:r>
-              <a:rPr lang="hu-HU" sz="1600" dirty="0" smtClean="0">
-                <a:latin typeface="Bahnschrift Light" pitchFamily="34" charset="0"/>
-              </a:rPr>
-              <a:t>https://github.com/greenfox-academy/szapszap</a:t>
-            </a:r>
-            <a:endParaRPr lang="hu-HU" sz="1600" dirty="0">
-              <a:latin typeface="Bahnschrift Light" pitchFamily="34" charset="0"/>
-            </a:endParaRPr>
-          </a:p>
-        </p:txBody>
-      </p:sp>
+          <a:ln w="9525">
+            <a:noFill/>
+            <a:miter lim="800000"/>
+            <a:headEnd/>
+            <a:tailEnd/>
+          </a:ln>
+          <a:effectLst/>
+        </p:spPr>
+      </p:pic>
+      <p:pic>
+        <p:nvPicPr>
+          <p:cNvPr id="2050" name="Picture 2"/>
+          <p:cNvPicPr>
+            <a:picLocks noChangeAspect="1" noChangeArrowheads="1"/>
+          </p:cNvPicPr>
+          <p:nvPr/>
+        </p:nvPicPr>
+        <p:blipFill>
+          <a:blip r:embed="rId3"/>
+          <a:srcRect/>
+          <a:stretch>
+            <a:fillRect/>
+          </a:stretch>
+        </p:blipFill>
+        <p:spPr bwMode="auto">
+          <a:xfrm>
+            <a:off x="500034" y="2857496"/>
+            <a:ext cx="7829851" cy="2786082"/>
+          </a:xfrm>
+          <a:prstGeom prst="rect">
+            <a:avLst/>
+          </a:prstGeom>
+          <a:noFill/>
+          <a:ln w="9525">
+            <a:noFill/>
+            <a:miter lim="800000"/>
+            <a:headEnd/>
+            <a:tailEnd/>
+          </a:ln>
+          <a:effectLst/>
+        </p:spPr>
+      </p:pic>
     </p:spTree>
   </p:cSld>
   <p:clrMapOvr>
@@ -7051,69 +5738,124 @@
         </p:nvSpPr>
         <p:spPr/>
         <p:txBody>
+          <a:bodyPr>
+            <a:normAutofit fontScale="90000"/>
+          </a:bodyPr>
+          <a:lstStyle/>
+          <a:p>
+            <a:r>
+              <a:rPr lang="hu-HU" sz="4000" b="1" dirty="0" smtClean="0"/>
+              <a:t>What we learned this week</a:t>
+            </a:r>
+            <a:endParaRPr lang="hu-HU" sz="4000" b="1" dirty="0"/>
+          </a:p>
+        </p:txBody>
+      </p:sp>
+      <p:sp>
+        <p:nvSpPr>
+          <p:cNvPr id="3" name="Content Placeholder 2"/>
+          <p:cNvSpPr>
+            <a:spLocks noGrp="1"/>
+          </p:cNvSpPr>
+          <p:nvPr>
+            <p:ph sz="quarter" idx="1"/>
+          </p:nvPr>
+        </p:nvSpPr>
+        <p:spPr>
+          <a:xfrm>
+            <a:off x="500034" y="1785926"/>
+            <a:ext cx="7467600" cy="4873752"/>
+          </a:xfrm>
+        </p:spPr>
+        <p:txBody>
           <a:bodyPr/>
           <a:lstStyle/>
           <a:p>
             <a:r>
+              <a:rPr lang="hu-HU" sz="3200" dirty="0" smtClean="0">
+                <a:latin typeface="Bahnschrift" pitchFamily="34" charset="0"/>
+              </a:rPr>
+              <a:t> </a:t>
+            </a:r>
+            <a:r>
+              <a:rPr lang="hu-HU" sz="3200" dirty="0" smtClean="0">
+                <a:latin typeface="Bahnschrift" pitchFamily="34" charset="0"/>
+              </a:rPr>
+              <a:t>Training / Dojo</a:t>
+            </a:r>
+          </a:p>
+          <a:p>
+            <a:r>
+              <a:rPr lang="hu-HU" sz="3200" dirty="0" smtClean="0">
+                <a:latin typeface="Bahnschrift" pitchFamily="34" charset="0"/>
+              </a:rPr>
+              <a:t> Closure  +  .Bind  +  This</a:t>
+            </a:r>
+          </a:p>
+          <a:p>
+            <a:r>
+              <a:rPr lang="hu-HU" sz="3200" dirty="0" smtClean="0">
+                <a:latin typeface="Bahnschrift" pitchFamily="34" charset="0"/>
+              </a:rPr>
+              <a:t> XHR  + Playing with API-s + AJAX + DOM manipulation</a:t>
+            </a:r>
+            <a:r>
               <a:rPr lang="hu-HU" dirty="0" smtClean="0"/>
-              <a:t>Launching MySQL</a:t>
-            </a:r>
-            <a:endParaRPr lang="hu-HU" dirty="0"/>
-          </a:p>
-        </p:txBody>
-      </p:sp>
-      <p:sp>
-        <p:nvSpPr>
-          <p:cNvPr id="3" name="Content Placeholder 2"/>
-          <p:cNvSpPr>
-            <a:spLocks noGrp="1"/>
-          </p:cNvSpPr>
-          <p:nvPr>
-            <p:ph sz="quarter" idx="1"/>
-          </p:nvPr>
-        </p:nvSpPr>
-        <p:spPr/>
-        <p:txBody>
-          <a:bodyPr/>
-          <a:lstStyle/>
-          <a:p>
-            <a:endParaRPr lang="hu-HU"/>
-          </a:p>
-        </p:txBody>
-      </p:sp>
-      <p:pic>
-        <p:nvPicPr>
-          <p:cNvPr id="1026" name="Picture 2"/>
-          <p:cNvPicPr>
-            <a:picLocks noChangeAspect="1" noChangeArrowheads="1"/>
-          </p:cNvPicPr>
+              <a:t/>
+            </a:r>
+            <a:br>
+              <a:rPr lang="hu-HU" dirty="0" smtClean="0"/>
+            </a:br>
+            <a:endParaRPr lang="hu-HU" dirty="0" smtClean="0"/>
+          </a:p>
+        </p:txBody>
+      </p:sp>
+      <p:sp>
+        <p:nvSpPr>
+          <p:cNvPr id="5" name="TextBox 4"/>
+          <p:cNvSpPr txBox="1"/>
           <p:nvPr/>
-        </p:nvPicPr>
-        <p:blipFill>
-          <a:blip r:embed="rId2"/>
-          <a:srcRect/>
-          <a:stretch>
-            <a:fillRect/>
-          </a:stretch>
-        </p:blipFill>
-        <p:spPr bwMode="auto">
-          <a:xfrm>
-            <a:off x="214282" y="2285992"/>
-            <a:ext cx="8334905" cy="1714512"/>
+        </p:nvSpPr>
+        <p:spPr>
+          <a:xfrm>
+            <a:off x="4214810" y="6273225"/>
+            <a:ext cx="4714908" cy="584775"/>
           </a:xfrm>
           <a:prstGeom prst="rect">
             <a:avLst/>
           </a:prstGeom>
           <a:noFill/>
-          <a:ln w="9525">
-            <a:noFill/>
-            <a:miter lim="800000"/>
-            <a:headEnd/>
-            <a:tailEnd/>
-          </a:ln>
-          <a:effectLst/>
-        </p:spPr>
-      </p:pic>
+        </p:spPr>
+        <p:txBody>
+          <a:bodyPr wrap="square" rtlCol="0">
+            <a:spAutoFit/>
+          </a:bodyPr>
+          <a:lstStyle/>
+          <a:p>
+            <a:pPr algn="ctr"/>
+            <a:r>
+              <a:rPr lang="hu-HU" sz="1600" dirty="0" smtClean="0">
+                <a:latin typeface="Bahnschrift Light" pitchFamily="34" charset="0"/>
+              </a:rPr>
+              <a:t>Alexandra Rujzam</a:t>
+            </a:r>
+            <a:br>
+              <a:rPr lang="hu-HU" sz="1600" dirty="0" smtClean="0">
+                <a:latin typeface="Bahnschrift Light" pitchFamily="34" charset="0"/>
+              </a:rPr>
+            </a:br>
+            <a:r>
+              <a:rPr lang="hu-HU" sz="1600" dirty="0" smtClean="0">
+                <a:latin typeface="Bahnschrift Light" pitchFamily="34" charset="0"/>
+              </a:rPr>
+              <a:t>https://github.com/greenfox-academy/szapszap</a:t>
+            </a:r>
+            <a:endParaRPr lang="hu-HU" sz="1600" dirty="0">
+              <a:latin typeface="Bahnschrift Light" pitchFamily="34" charset="0"/>
+            </a:endParaRPr>
+          </a:p>
+        </p:txBody>
+      </p:sp>
     </p:spTree>
   </p:cSld>
   <p:clrMapOvr>
@@ -7158,102 +5900,132 @@
         </p:nvSpPr>
         <p:spPr/>
         <p:txBody>
+          <a:bodyPr>
+            <a:normAutofit fontScale="90000"/>
+          </a:bodyPr>
+          <a:lstStyle/>
+          <a:p>
+            <a:r>
+              <a:rPr lang="hu-HU" sz="4000" b="1" dirty="0" smtClean="0"/>
+              <a:t>What we learned this week</a:t>
+            </a:r>
+            <a:endParaRPr lang="hu-HU" sz="4000" b="1" dirty="0"/>
+          </a:p>
+        </p:txBody>
+      </p:sp>
+      <p:sp>
+        <p:nvSpPr>
+          <p:cNvPr id="3" name="Content Placeholder 2"/>
+          <p:cNvSpPr>
+            <a:spLocks noGrp="1"/>
+          </p:cNvSpPr>
+          <p:nvPr>
+            <p:ph sz="quarter" idx="1"/>
+          </p:nvPr>
+        </p:nvSpPr>
+        <p:spPr>
+          <a:xfrm>
+            <a:off x="500034" y="1785926"/>
+            <a:ext cx="7467600" cy="4873752"/>
+          </a:xfrm>
+        </p:spPr>
+        <p:txBody>
           <a:bodyPr/>
           <a:lstStyle/>
           <a:p>
             <a:r>
+              <a:rPr lang="hu-HU" sz="3200" dirty="0" smtClean="0">
+                <a:latin typeface="Bahnschrift" pitchFamily="34" charset="0"/>
+              </a:rPr>
+              <a:t> </a:t>
+            </a:r>
+            <a:r>
+              <a:rPr lang="hu-HU" sz="3200" dirty="0" smtClean="0">
+                <a:latin typeface="Bahnschrift" pitchFamily="34" charset="0"/>
+              </a:rPr>
+              <a:t>Training / Dojo</a:t>
+            </a:r>
+          </a:p>
+          <a:p>
+            <a:r>
+              <a:rPr lang="hu-HU" sz="3200" dirty="0" smtClean="0">
+                <a:latin typeface="Bahnschrift" pitchFamily="34" charset="0"/>
+              </a:rPr>
+              <a:t> Closure  +  .Bind  +  This</a:t>
+            </a:r>
+          </a:p>
+          <a:p>
+            <a:r>
+              <a:rPr lang="hu-HU" sz="3200" dirty="0" smtClean="0">
+                <a:latin typeface="Bahnschrift" pitchFamily="34" charset="0"/>
+              </a:rPr>
+              <a:t> XHR  + Playing with API-s + AJAX + DOM manipulation</a:t>
+            </a:r>
+          </a:p>
+          <a:p>
+            <a:r>
+              <a:rPr lang="hu-HU" sz="3200" dirty="0" smtClean="0">
+                <a:latin typeface="Bahnschrift" pitchFamily="34" charset="0"/>
+              </a:rPr>
+              <a:t> Reddit Project</a:t>
+            </a:r>
+            <a:r>
               <a:rPr lang="hu-HU" dirty="0" smtClean="0"/>
-              <a:t>Launching MySQL</a:t>
-            </a:r>
-            <a:endParaRPr lang="hu-HU" dirty="0"/>
-          </a:p>
-        </p:txBody>
-      </p:sp>
-      <p:sp>
-        <p:nvSpPr>
-          <p:cNvPr id="3" name="Content Placeholder 2"/>
-          <p:cNvSpPr>
-            <a:spLocks noGrp="1"/>
-          </p:cNvSpPr>
-          <p:nvPr>
-            <p:ph sz="quarter" idx="1"/>
-          </p:nvPr>
-        </p:nvSpPr>
-        <p:spPr/>
-        <p:txBody>
-          <a:bodyPr/>
-          <a:lstStyle/>
-          <a:p>
-            <a:endParaRPr lang="hu-HU" dirty="0"/>
-          </a:p>
-        </p:txBody>
-      </p:sp>
-      <p:pic>
-        <p:nvPicPr>
-          <p:cNvPr id="1026" name="Picture 2"/>
-          <p:cNvPicPr>
-            <a:picLocks noChangeAspect="1" noChangeArrowheads="1"/>
-          </p:cNvPicPr>
+              <a:t/>
+            </a:r>
+            <a:br>
+              <a:rPr lang="hu-HU" dirty="0" smtClean="0"/>
+            </a:br>
+            <a:endParaRPr lang="hu-HU" dirty="0" smtClean="0"/>
+          </a:p>
+        </p:txBody>
+      </p:sp>
+      <p:sp>
+        <p:nvSpPr>
+          <p:cNvPr id="5" name="TextBox 4"/>
+          <p:cNvSpPr txBox="1"/>
           <p:nvPr/>
-        </p:nvPicPr>
-        <p:blipFill>
-          <a:blip r:embed="rId2"/>
-          <a:srcRect/>
-          <a:stretch>
-            <a:fillRect/>
-          </a:stretch>
-        </p:blipFill>
-        <p:spPr bwMode="auto">
-          <a:xfrm>
-            <a:off x="214282" y="2285992"/>
-            <a:ext cx="8334905" cy="1714512"/>
+        </p:nvSpPr>
+        <p:spPr>
+          <a:xfrm>
+            <a:off x="4214810" y="6273225"/>
+            <a:ext cx="4714908" cy="584775"/>
           </a:xfrm>
           <a:prstGeom prst="rect">
             <a:avLst/>
           </a:prstGeom>
           <a:noFill/>
-          <a:ln w="9525">
-            <a:noFill/>
-            <a:miter lim="800000"/>
-            <a:headEnd/>
-            <a:tailEnd/>
-          </a:ln>
-          <a:effectLst/>
-        </p:spPr>
-      </p:pic>
-      <p:pic>
-        <p:nvPicPr>
-          <p:cNvPr id="2050" name="Picture 2"/>
-          <p:cNvPicPr>
-            <a:picLocks noChangeAspect="1" noChangeArrowheads="1"/>
-          </p:cNvPicPr>
-          <p:nvPr/>
-        </p:nvPicPr>
-        <p:blipFill>
-          <a:blip r:embed="rId3"/>
-          <a:srcRect/>
-          <a:stretch>
-            <a:fillRect/>
-          </a:stretch>
-        </p:blipFill>
-        <p:spPr bwMode="auto">
-          <a:xfrm>
-            <a:off x="214282" y="4500570"/>
-            <a:ext cx="7072361" cy="1053762"/>
-          </a:xfrm>
-          <a:prstGeom prst="rect">
-            <a:avLst/>
-          </a:prstGeom>
-          <a:noFill/>
-          <a:ln w="9525">
-            <a:noFill/>
-            <a:miter lim="800000"/>
-            <a:headEnd/>
-            <a:tailEnd/>
-          </a:ln>
-          <a:effectLst/>
-        </p:spPr>
-      </p:pic>
+        </p:spPr>
+        <p:txBody>
+          <a:bodyPr wrap="square" rtlCol="0">
+            <a:spAutoFit/>
+          </a:bodyPr>
+          <a:lstStyle/>
+          <a:p>
+            <a:pPr algn="ctr"/>
+            <a:r>
+              <a:rPr lang="hu-HU" sz="1600" dirty="0" smtClean="0">
+                <a:latin typeface="Bahnschrift Light" pitchFamily="34" charset="0"/>
+              </a:rPr>
+              <a:t>Alexandra Rujzam</a:t>
+            </a:r>
+            <a:br>
+              <a:rPr lang="hu-HU" sz="1600" dirty="0" smtClean="0">
+                <a:latin typeface="Bahnschrift Light" pitchFamily="34" charset="0"/>
+              </a:rPr>
+            </a:br>
+            <a:r>
+              <a:rPr lang="hu-HU" sz="1600" dirty="0" smtClean="0">
+                <a:latin typeface="Bahnschrift Light" pitchFamily="34" charset="0"/>
+              </a:rPr>
+              <a:t>https://github.com/greenfox-academy/szapszap</a:t>
+            </a:r>
+            <a:endParaRPr lang="hu-HU" sz="1600" dirty="0">
+              <a:latin typeface="Bahnschrift Light" pitchFamily="34" charset="0"/>
+            </a:endParaRPr>
+          </a:p>
+        </p:txBody>
+      </p:sp>
     </p:spTree>
   </p:cSld>
   <p:clrMapOvr>
@@ -7301,11 +6073,7 @@
           <a:bodyPr/>
           <a:lstStyle/>
           <a:p>
-            <a:r>
-              <a:rPr lang="hu-HU" dirty="0" smtClean="0"/>
-              <a:t>Changing to DB Reddit</a:t>
-            </a:r>
-            <a:endParaRPr lang="hu-HU" dirty="0"/>
+            <a:endParaRPr lang="hu-HU"/>
           </a:p>
         </p:txBody>
       </p:sp>
@@ -7330,7 +6098,7 @@
       </p:sp>
       <p:pic>
         <p:nvPicPr>
-          <p:cNvPr id="3074" name="Picture 2"/>
+          <p:cNvPr id="3074" name="Picture 2" descr="https://i.pinimg.com/originals/57/b2/a2/57b2a22477557a02ad28a519ff034cbb.jpg"/>
           <p:cNvPicPr>
             <a:picLocks noChangeAspect="1" noChangeArrowheads="1"/>
           </p:cNvPicPr>
@@ -7345,20 +6113,13 @@
         </p:blipFill>
         <p:spPr bwMode="auto">
           <a:xfrm>
-            <a:off x="214282" y="1571612"/>
-            <a:ext cx="3929090" cy="3912371"/>
+            <a:off x="1785918" y="0"/>
+            <a:ext cx="5572164" cy="6861722"/>
           </a:xfrm>
           <a:prstGeom prst="rect">
             <a:avLst/>
           </a:prstGeom>
           <a:noFill/>
-          <a:ln w="9525">
-            <a:noFill/>
-            <a:miter lim="800000"/>
-            <a:headEnd/>
-            <a:tailEnd/>
-          </a:ln>
-          <a:effectLst/>
         </p:spPr>
       </p:pic>
     </p:spTree>
@@ -7403,14 +6164,65 @@
             <p:ph type="title"/>
           </p:nvPr>
         </p:nvSpPr>
-        <p:spPr/>
+        <p:spPr>
+          <a:xfrm>
+            <a:off x="571472" y="1714488"/>
+            <a:ext cx="7572428" cy="1143000"/>
+          </a:xfrm>
+        </p:spPr>
+        <p:txBody>
+          <a:bodyPr>
+            <a:noAutofit/>
+          </a:bodyPr>
+          <a:lstStyle/>
+          <a:p>
+            <a:pPr algn="ctr"/>
+            <a:r>
+              <a:rPr lang="hu-HU" sz="5400" dirty="0" smtClean="0"/>
+              <a:t>Thanks for watching!</a:t>
+            </a:r>
+            <a:endParaRPr lang="hu-HU" sz="5400" dirty="0"/>
+          </a:p>
+        </p:txBody>
+      </p:sp>
+      <p:sp>
+        <p:nvSpPr>
+          <p:cNvPr id="3" name="Content Placeholder 2"/>
+          <p:cNvSpPr>
+            <a:spLocks noGrp="1"/>
+          </p:cNvSpPr>
+          <p:nvPr>
+            <p:ph sz="quarter" idx="1"/>
+          </p:nvPr>
+        </p:nvSpPr>
+        <p:spPr>
+          <a:xfrm>
+            <a:off x="500034" y="2000240"/>
+            <a:ext cx="7467600" cy="3759332"/>
+          </a:xfrm>
+        </p:spPr>
         <p:txBody>
           <a:bodyPr/>
           <a:lstStyle/>
           <a:p>
+            <a:endParaRPr lang="hu-HU" dirty="0" smtClean="0"/>
+          </a:p>
+          <a:p>
+            <a:endParaRPr lang="hu-HU" b="1" dirty="0" smtClean="0"/>
+          </a:p>
+          <a:p>
+            <a:endParaRPr lang="hu-HU" dirty="0" smtClean="0"/>
+          </a:p>
+          <a:p>
+            <a:endParaRPr lang="hu-HU" dirty="0" smtClean="0"/>
+          </a:p>
+          <a:p>
+            <a:pPr algn="ctr">
+              <a:buNone/>
+            </a:pPr>
             <a:r>
               <a:rPr lang="hu-HU" dirty="0" smtClean="0"/>
-              <a:t>Changing to DB Reddit</a:t>
+              <a:t>(Or listening)</a:t>
             </a:r>
             <a:endParaRPr lang="hu-HU" dirty="0"/>
           </a:p>
@@ -7418,89 +6230,50 @@
       </p:sp>
       <p:sp>
         <p:nvSpPr>
-          <p:cNvPr id="3" name="Content Placeholder 2"/>
-          <p:cNvSpPr>
-            <a:spLocks noGrp="1"/>
-          </p:cNvSpPr>
-          <p:nvPr>
-            <p:ph sz="quarter" idx="1"/>
-          </p:nvPr>
-        </p:nvSpPr>
-        <p:spPr/>
-        <p:txBody>
-          <a:bodyPr/>
-          <a:lstStyle/>
-          <a:p>
-            <a:endParaRPr lang="hu-HU"/>
-          </a:p>
-        </p:txBody>
-      </p:sp>
-      <p:pic>
-        <p:nvPicPr>
-          <p:cNvPr id="3074" name="Picture 2"/>
-          <p:cNvPicPr>
-            <a:picLocks noChangeAspect="1" noChangeArrowheads="1"/>
-          </p:cNvPicPr>
+          <p:cNvPr id="4" name="TextBox 3"/>
+          <p:cNvSpPr txBox="1"/>
           <p:nvPr/>
-        </p:nvPicPr>
-        <p:blipFill>
-          <a:blip r:embed="rId2"/>
-          <a:srcRect/>
-          <a:stretch>
-            <a:fillRect/>
-          </a:stretch>
-        </p:blipFill>
-        <p:spPr bwMode="auto">
-          <a:xfrm>
-            <a:off x="214282" y="1571612"/>
-            <a:ext cx="3929090" cy="3912371"/>
+        </p:nvSpPr>
+        <p:spPr>
+          <a:xfrm>
+            <a:off x="4214810" y="6273225"/>
+            <a:ext cx="4714908" cy="584775"/>
           </a:xfrm>
           <a:prstGeom prst="rect">
             <a:avLst/>
           </a:prstGeom>
           <a:noFill/>
-          <a:ln w="9525">
-            <a:noFill/>
-            <a:miter lim="800000"/>
-            <a:headEnd/>
-            <a:tailEnd/>
-          </a:ln>
-          <a:effectLst/>
-        </p:spPr>
-      </p:pic>
-      <p:pic>
-        <p:nvPicPr>
-          <p:cNvPr id="4098" name="Picture 2"/>
-          <p:cNvPicPr>
-            <a:picLocks noChangeAspect="1" noChangeArrowheads="1"/>
-          </p:cNvPicPr>
-          <p:nvPr/>
-        </p:nvPicPr>
-        <p:blipFill>
-          <a:blip r:embed="rId3"/>
-          <a:srcRect/>
-          <a:stretch>
-            <a:fillRect/>
-          </a:stretch>
-        </p:blipFill>
-        <p:spPr bwMode="auto">
-          <a:xfrm>
-            <a:off x="4286248" y="3143248"/>
-            <a:ext cx="4340394" cy="962029"/>
-          </a:xfrm>
-          <a:prstGeom prst="rect">
-            <a:avLst/>
-          </a:prstGeom>
-          <a:noFill/>
-          <a:ln w="9525">
-            <a:noFill/>
-            <a:miter lim="800000"/>
-            <a:headEnd/>
-            <a:tailEnd/>
-          </a:ln>
-          <a:effectLst/>
-        </p:spPr>
-      </p:pic>
+        </p:spPr>
+        <p:txBody>
+          <a:bodyPr wrap="square" rtlCol="0">
+            <a:spAutoFit/>
+          </a:bodyPr>
+          <a:lstStyle/>
+          <a:p>
+            <a:pPr algn="ctr"/>
+            <a:r>
+              <a:rPr lang="hu-HU" sz="1600" dirty="0" smtClean="0">
+                <a:latin typeface="Bahnschrift Light" pitchFamily="34" charset="0"/>
+              </a:rPr>
+              <a:t>Alexandra Rujzam</a:t>
+            </a:r>
+            <a:br>
+              <a:rPr lang="hu-HU" sz="1600" dirty="0" smtClean="0">
+                <a:latin typeface="Bahnschrift Light" pitchFamily="34" charset="0"/>
+              </a:rPr>
+            </a:br>
+            <a:r>
+              <a:rPr lang="hu-HU" sz="1600" dirty="0" smtClean="0">
+                <a:latin typeface="Bahnschrift Light" pitchFamily="34" charset="0"/>
+              </a:rPr>
+              <a:t>https://github.com/greenfox-academy/szapszap</a:t>
+            </a:r>
+            <a:endParaRPr lang="hu-HU" sz="1600" dirty="0">
+              <a:latin typeface="Bahnschrift Light" pitchFamily="34" charset="0"/>
+            </a:endParaRPr>
+          </a:p>
+        </p:txBody>
+      </p:sp>
     </p:spTree>
   </p:cSld>
   <p:clrMapOvr>
@@ -7519,7 +6292,7 @@
 <file path=ppt/theme/theme1.xml><?xml version="1.0" encoding="utf-8"?>
 <a:theme xmlns:a="http://schemas.openxmlformats.org/drawingml/2006/main" name="Oriel">
   <a:themeElements>
-    <a:clrScheme name="Oriel">
+    <a:clrScheme name="Grayscale">
       <a:dk1>
         <a:sysClr val="windowText" lastClr="000000"/>
       </a:dk1>
@@ -7527,34 +6300,34 @@
         <a:sysClr val="window" lastClr="FFFFFF"/>
       </a:lt1>
       <a:dk2>
-        <a:srgbClr val="575F6D"/>
+        <a:srgbClr val="000000"/>
       </a:dk2>
       <a:lt2>
-        <a:srgbClr val="FFF39D"/>
+        <a:srgbClr val="F8F8F8"/>
       </a:lt2>
       <a:accent1>
-        <a:srgbClr val="FE8637"/>
+        <a:srgbClr val="DDDDDD"/>
       </a:accent1>
       <a:accent2>
-        <a:srgbClr val="7598D9"/>
+        <a:srgbClr val="B2B2B2"/>
       </a:accent2>
       <a:accent3>
-        <a:srgbClr val="B32C16"/>
+        <a:srgbClr val="969696"/>
       </a:accent3>
       <a:accent4>
-        <a:srgbClr val="F5CD2D"/>
+        <a:srgbClr val="808080"/>
       </a:accent4>
       <a:accent5>
-        <a:srgbClr val="AEBAD5"/>
+        <a:srgbClr val="5F5F5F"/>
       </a:accent5>
       <a:accent6>
-        <a:srgbClr val="777C84"/>
+        <a:srgbClr val="4D4D4D"/>
       </a:accent6>
       <a:hlink>
-        <a:srgbClr val="D2611C"/>
+        <a:srgbClr val="5F5F5F"/>
       </a:hlink>
       <a:folHlink>
-        <a:srgbClr val="3B435B"/>
+        <a:srgbClr val="919191"/>
       </a:folHlink>
     </a:clrScheme>
     <a:fontScheme name="Oriel">
